--- a/docs/diagrams/LoopsDiagram.pptx
+++ b/docs/diagrams/LoopsDiagram.pptx
@@ -4485,29 +4485,14 @@
             <a:p>
               <a:pPr algn="ctr"/>
               <a:r>
-                <a:rPr lang="en-US" sz="1400" dirty="0"/>
-                <a:t>p</a:t>
-              </a:r>
-              <a:r>
-                <a:rPr lang="en-US" sz="1400" dirty="0" smtClean="0"/>
-                <a:t>age </a:t>
-              </a:r>
-            </a:p>
-            <a:p>
-              <a:pPr algn="ctr"/>
-              <a:r>
-                <a:rPr lang="en-US" sz="1400" dirty="0" smtClean="0"/>
-                <a:t>== </a:t>
-              </a:r>
-              <a:r>
-                <a:rPr lang="en-US" sz="1400" dirty="0" err="1"/>
-                <a:t>l</a:t>
-              </a:r>
-              <a:r>
-                <a:rPr lang="en-US" sz="1400" dirty="0" err="1" smtClean="0"/>
-                <a:t>inkedin</a:t>
-              </a:r>
-              <a:endParaRPr lang="en-US" sz="1400" dirty="0"/>
+                <a:rPr lang="en-US" sz="1200" dirty="0" err="1" smtClean="0"/>
+                <a:t>Linkedin</a:t>
+              </a:r>
+              <a:r>
+                <a:rPr lang="en-US" sz="1200" dirty="0" smtClean="0"/>
+                <a:t> chosen</a:t>
+              </a:r>
+              <a:endParaRPr lang="en-US" sz="1200" dirty="0"/>
             </a:p>
           </p:txBody>
         </p:sp>
@@ -4736,23 +4721,8 @@
             <a:p>
               <a:pPr algn="ctr"/>
               <a:r>
-                <a:rPr lang="en-US" sz="1200" dirty="0"/>
-                <a:t>p</a:t>
-              </a:r>
-              <a:r>
                 <a:rPr lang="en-US" sz="1200" dirty="0" smtClean="0"/>
-                <a:t>age </a:t>
-              </a:r>
-            </a:p>
-            <a:p>
-              <a:pPr algn="ctr"/>
-              <a:r>
-                <a:rPr lang="en-US" sz="1200" dirty="0" smtClean="0"/>
-                <a:t>== </a:t>
-              </a:r>
-              <a:r>
-                <a:rPr lang="en-US" sz="1200" dirty="0" smtClean="0"/>
-                <a:t>google maps</a:t>
+                <a:t>google maps chosen</a:t>
               </a:r>
               <a:endParaRPr lang="en-US" sz="1200" dirty="0"/>
             </a:p>
@@ -4975,6 +4945,36 @@
           </p:style>
         </p:cxnSp>
       </p:grpSp>
+      <p:sp>
+        <p:nvSpPr>
+          <p:cNvPr id="16" name="TextBox 15"/>
+          <p:cNvSpPr txBox="1"/>
+          <p:nvPr/>
+        </p:nvSpPr>
+        <p:spPr>
+          <a:xfrm>
+            <a:off x="6038969" y="4308154"/>
+            <a:ext cx="550279" cy="307777"/>
+          </a:xfrm>
+          <a:prstGeom prst="rect">
+            <a:avLst/>
+          </a:prstGeom>
+          <a:noFill/>
+        </p:spPr>
+        <p:txBody>
+          <a:bodyPr wrap="none" rtlCol="0">
+            <a:spAutoFit/>
+          </a:bodyPr>
+          <a:lstStyle/>
+          <a:p>
+            <a:r>
+              <a:rPr lang="en-US" sz="1400" smtClean="0"/>
+              <a:t>False</a:t>
+            </a:r>
+            <a:endParaRPr lang="en-US" sz="1400"/>
+          </a:p>
+        </p:txBody>
+      </p:sp>
     </p:spTree>
     <p:extLst>
       <p:ext uri="{BB962C8B-B14F-4D97-AF65-F5344CB8AC3E}">
@@ -5005,315 +5005,320 @@
           <a:chExt cx="0" cy="0"/>
         </a:xfrm>
       </p:grpSpPr>
-      <p:sp>
-        <p:nvSpPr>
-          <p:cNvPr id="5" name="Diamond 4"/>
-          <p:cNvSpPr/>
+      <p:grpSp>
+        <p:nvGrpSpPr>
+          <p:cNvPr id="3" name="Group 2"/>
+          <p:cNvGrpSpPr/>
           <p:nvPr/>
-        </p:nvSpPr>
-        <p:spPr>
+        </p:nvGrpSpPr>
+        <p:grpSpPr>
           <a:xfrm>
-            <a:off x="5175512" y="589987"/>
-            <a:ext cx="1562211" cy="1562211"/>
+            <a:off x="3303274" y="604501"/>
+            <a:ext cx="7170792" cy="4664184"/>
+            <a:chOff x="5175512" y="589987"/>
+            <a:chExt cx="3890667" cy="2530653"/>
           </a:xfrm>
-          <a:prstGeom prst="diamond">
-            <a:avLst/>
-          </a:prstGeom>
-          <a:solidFill>
-            <a:srgbClr val="00B050"/>
-          </a:solidFill>
-          <a:ln>
+        </p:grpSpPr>
+        <p:sp>
+          <p:nvSpPr>
+            <p:cNvPr id="5" name="Diamond 4"/>
+            <p:cNvSpPr/>
+            <p:nvPr/>
+          </p:nvSpPr>
+          <p:spPr>
+            <a:xfrm>
+              <a:off x="5175512" y="589987"/>
+              <a:ext cx="1562211" cy="1562211"/>
+            </a:xfrm>
+            <a:prstGeom prst="diamond">
+              <a:avLst/>
+            </a:prstGeom>
+            <a:solidFill>
+              <a:srgbClr val="00B050"/>
+            </a:solidFill>
+            <a:ln>
+              <a:noFill/>
+            </a:ln>
+          </p:spPr>
+          <p:style>
+            <a:lnRef idx="2">
+              <a:schemeClr val="accent1">
+                <a:shade val="50000"/>
+              </a:schemeClr>
+            </a:lnRef>
+            <a:fillRef idx="1">
+              <a:schemeClr val="accent1"/>
+            </a:fillRef>
+            <a:effectRef idx="0">
+              <a:schemeClr val="accent1"/>
+            </a:effectRef>
+            <a:fontRef idx="minor">
+              <a:schemeClr val="lt1"/>
+            </a:fontRef>
+          </p:style>
+          <p:txBody>
+            <a:bodyPr rtlCol="0" anchor="ctr"/>
+            <a:lstStyle/>
+            <a:p>
+              <a:pPr algn="ctr"/>
+              <a:r>
+                <a:rPr lang="en-US" sz="1400" dirty="0"/>
+                <a:t>Asana configured </a:t>
+              </a:r>
+            </a:p>
+            <a:p>
+              <a:pPr algn="ctr"/>
+              <a:r>
+                <a:rPr lang="en-US" sz="1400" dirty="0"/>
+                <a:t>&amp;&amp;</a:t>
+              </a:r>
+            </a:p>
+            <a:p>
+              <a:pPr algn="ctr"/>
+              <a:r>
+                <a:rPr lang="en-US" sz="1400" dirty="0"/>
+                <a:t>Internet is connected</a:t>
+              </a:r>
+            </a:p>
+          </p:txBody>
+        </p:sp>
+        <p:cxnSp>
+          <p:nvCxnSpPr>
+            <p:cNvPr id="6" name="Straight Arrow Connector 5"/>
+            <p:cNvCxnSpPr>
+              <a:stCxn id="5" idx="3"/>
+            </p:cNvCxnSpPr>
+            <p:nvPr/>
+          </p:nvCxnSpPr>
+          <p:spPr>
+            <a:xfrm flipV="1">
+              <a:off x="6737723" y="1370583"/>
+              <a:ext cx="898490" cy="510"/>
+            </a:xfrm>
+            <a:prstGeom prst="straightConnector1">
+              <a:avLst/>
+            </a:prstGeom>
+            <a:ln>
+              <a:tailEnd type="triangle"/>
+            </a:ln>
+          </p:spPr>
+          <p:style>
+            <a:lnRef idx="1">
+              <a:schemeClr val="dk1"/>
+            </a:lnRef>
+            <a:fillRef idx="0">
+              <a:schemeClr val="dk1"/>
+            </a:fillRef>
+            <a:effectRef idx="0">
+              <a:schemeClr val="dk1"/>
+            </a:effectRef>
+            <a:fontRef idx="minor">
+              <a:schemeClr val="tx1"/>
+            </a:fontRef>
+          </p:style>
+        </p:cxnSp>
+        <p:sp>
+          <p:nvSpPr>
+            <p:cNvPr id="11" name="Rounded Rectangle 10"/>
+            <p:cNvSpPr/>
+            <p:nvPr/>
+          </p:nvSpPr>
+          <p:spPr>
+            <a:xfrm>
+              <a:off x="7636213" y="1132255"/>
+              <a:ext cx="1429966" cy="476655"/>
+            </a:xfrm>
+            <a:prstGeom prst="roundRect">
+              <a:avLst/>
+            </a:prstGeom>
+            <a:solidFill>
+              <a:srgbClr val="0070C0"/>
+            </a:solidFill>
+            <a:ln>
+              <a:noFill/>
+            </a:ln>
+          </p:spPr>
+          <p:style>
+            <a:lnRef idx="2">
+              <a:schemeClr val="accent1">
+                <a:shade val="50000"/>
+              </a:schemeClr>
+            </a:lnRef>
+            <a:fillRef idx="1">
+              <a:schemeClr val="accent1"/>
+            </a:fillRef>
+            <a:effectRef idx="0">
+              <a:schemeClr val="accent1"/>
+            </a:effectRef>
+            <a:fontRef idx="minor">
+              <a:schemeClr val="lt1"/>
+            </a:fontRef>
+          </p:style>
+          <p:txBody>
+            <a:bodyPr rtlCol="0" anchor="ctr"/>
+            <a:lstStyle/>
+            <a:p>
+              <a:pPr algn="ctr"/>
+              <a:r>
+                <a:rPr lang="en-US" sz="1400" dirty="0" smtClean="0"/>
+                <a:t>Add meeting locally &amp; on Asana</a:t>
+              </a:r>
+              <a:endParaRPr lang="en-US" sz="1400" dirty="0"/>
+            </a:p>
+          </p:txBody>
+        </p:sp>
+        <p:sp>
+          <p:nvSpPr>
+            <p:cNvPr id="12" name="Rounded Rectangle 11"/>
+            <p:cNvSpPr/>
+            <p:nvPr/>
+          </p:nvSpPr>
+          <p:spPr>
+            <a:xfrm>
+              <a:off x="5241634" y="2643985"/>
+              <a:ext cx="1429966" cy="476655"/>
+            </a:xfrm>
+            <a:prstGeom prst="roundRect">
+              <a:avLst/>
+            </a:prstGeom>
+            <a:solidFill>
+              <a:srgbClr val="0070C0"/>
+            </a:solidFill>
+            <a:ln>
+              <a:noFill/>
+            </a:ln>
+          </p:spPr>
+          <p:style>
+            <a:lnRef idx="2">
+              <a:schemeClr val="accent1">
+                <a:shade val="50000"/>
+              </a:schemeClr>
+            </a:lnRef>
+            <a:fillRef idx="1">
+              <a:schemeClr val="accent1"/>
+            </a:fillRef>
+            <a:effectRef idx="0">
+              <a:schemeClr val="accent1"/>
+            </a:effectRef>
+            <a:fontRef idx="minor">
+              <a:schemeClr val="lt1"/>
+            </a:fontRef>
+          </p:style>
+          <p:txBody>
+            <a:bodyPr rtlCol="0" anchor="ctr"/>
+            <a:lstStyle/>
+            <a:p>
+              <a:pPr algn="ctr"/>
+              <a:r>
+                <a:rPr lang="en-US" sz="1200" dirty="0" smtClean="0"/>
+                <a:t>Add </a:t>
+              </a:r>
+              <a:r>
+                <a:rPr lang="en-US" sz="1600" dirty="0" smtClean="0"/>
+                <a:t>meeting</a:t>
+              </a:r>
+              <a:r>
+                <a:rPr lang="en-US" sz="1200" dirty="0" smtClean="0"/>
+                <a:t> locally </a:t>
+              </a:r>
+              <a:endParaRPr lang="en-US" sz="1200" dirty="0"/>
+            </a:p>
+          </p:txBody>
+        </p:sp>
+        <p:sp>
+          <p:nvSpPr>
+            <p:cNvPr id="19" name="TextBox 18"/>
+            <p:cNvSpPr txBox="1"/>
+            <p:nvPr/>
+          </p:nvSpPr>
+          <p:spPr>
+            <a:xfrm>
+              <a:off x="6852734" y="1066753"/>
+              <a:ext cx="508537" cy="307777"/>
+            </a:xfrm>
+            <a:prstGeom prst="rect">
+              <a:avLst/>
+            </a:prstGeom>
             <a:noFill/>
-          </a:ln>
-        </p:spPr>
-        <p:style>
-          <a:lnRef idx="2">
-            <a:schemeClr val="accent1">
-              <a:shade val="50000"/>
-            </a:schemeClr>
-          </a:lnRef>
-          <a:fillRef idx="1">
-            <a:schemeClr val="accent1"/>
-          </a:fillRef>
-          <a:effectRef idx="0">
-            <a:schemeClr val="accent1"/>
-          </a:effectRef>
-          <a:fontRef idx="minor">
-            <a:schemeClr val="lt1"/>
-          </a:fontRef>
-        </p:style>
-        <p:txBody>
-          <a:bodyPr rtlCol="0" anchor="ctr"/>
-          <a:lstStyle/>
-          <a:p>
-            <a:pPr algn="ctr"/>
-            <a:r>
-              <a:rPr lang="en-US" sz="1400" dirty="0"/>
-              <a:t>p</a:t>
-            </a:r>
-            <a:r>
-              <a:rPr lang="en-US" sz="1400" dirty="0" smtClean="0"/>
-              <a:t>age </a:t>
-            </a:r>
-          </a:p>
-          <a:p>
-            <a:pPr algn="ctr"/>
-            <a:r>
-              <a:rPr lang="en-US" sz="1400" dirty="0" smtClean="0"/>
-              <a:t>== </a:t>
-            </a:r>
-            <a:r>
-              <a:rPr lang="en-US" sz="1400" dirty="0" err="1"/>
-              <a:t>l</a:t>
-            </a:r>
-            <a:r>
-              <a:rPr lang="en-US" sz="1400" dirty="0" err="1" smtClean="0"/>
-              <a:t>inkedin</a:t>
-            </a:r>
-            <a:endParaRPr lang="en-US" sz="1400" dirty="0"/>
-          </a:p>
-        </p:txBody>
-      </p:sp>
-      <p:cxnSp>
-        <p:nvCxnSpPr>
-          <p:cNvPr id="6" name="Straight Arrow Connector 5"/>
-          <p:cNvCxnSpPr>
-            <a:stCxn id="5" idx="3"/>
-          </p:cNvCxnSpPr>
-          <p:nvPr/>
-        </p:nvCxnSpPr>
-        <p:spPr>
-          <a:xfrm flipV="1">
-            <a:off x="6737723" y="1370583"/>
-            <a:ext cx="898490" cy="510"/>
-          </a:xfrm>
-          <a:prstGeom prst="straightConnector1">
-            <a:avLst/>
-          </a:prstGeom>
-          <a:ln>
-            <a:tailEnd type="triangle"/>
-          </a:ln>
-        </p:spPr>
-        <p:style>
-          <a:lnRef idx="1">
-            <a:schemeClr val="dk1"/>
-          </a:lnRef>
-          <a:fillRef idx="0">
-            <a:schemeClr val="dk1"/>
-          </a:fillRef>
-          <a:effectRef idx="0">
-            <a:schemeClr val="dk1"/>
-          </a:effectRef>
-          <a:fontRef idx="minor">
-            <a:schemeClr val="tx1"/>
-          </a:fontRef>
-        </p:style>
-      </p:cxnSp>
-      <p:sp>
-        <p:nvSpPr>
-          <p:cNvPr id="11" name="Rounded Rectangle 10"/>
-          <p:cNvSpPr/>
-          <p:nvPr/>
-        </p:nvSpPr>
-        <p:spPr>
-          <a:xfrm>
-            <a:off x="7636213" y="1132255"/>
-            <a:ext cx="1429966" cy="476655"/>
-          </a:xfrm>
-          <a:prstGeom prst="roundRect">
-            <a:avLst/>
-          </a:prstGeom>
-          <a:solidFill>
-            <a:srgbClr val="0070C0"/>
-          </a:solidFill>
-          <a:ln>
+          </p:spPr>
+          <p:txBody>
+            <a:bodyPr wrap="none" rtlCol="0">
+              <a:spAutoFit/>
+            </a:bodyPr>
+            <a:lstStyle/>
+            <a:p>
+              <a:r>
+                <a:rPr lang="en-US" sz="1400" dirty="0" smtClean="0"/>
+                <a:t>True</a:t>
+              </a:r>
+              <a:endParaRPr lang="en-US" sz="1400" dirty="0"/>
+            </a:p>
+          </p:txBody>
+        </p:sp>
+        <p:sp>
+          <p:nvSpPr>
+            <p:cNvPr id="20" name="TextBox 19"/>
+            <p:cNvSpPr txBox="1"/>
+            <p:nvPr/>
+          </p:nvSpPr>
+          <p:spPr>
+            <a:xfrm>
+              <a:off x="6121321" y="2244203"/>
+              <a:ext cx="550279" cy="307777"/>
+            </a:xfrm>
+            <a:prstGeom prst="rect">
+              <a:avLst/>
+            </a:prstGeom>
             <a:noFill/>
-          </a:ln>
-        </p:spPr>
-        <p:style>
-          <a:lnRef idx="2">
-            <a:schemeClr val="accent1">
-              <a:shade val="50000"/>
-            </a:schemeClr>
-          </a:lnRef>
-          <a:fillRef idx="1">
-            <a:schemeClr val="accent1"/>
-          </a:fillRef>
-          <a:effectRef idx="0">
-            <a:schemeClr val="accent1"/>
-          </a:effectRef>
-          <a:fontRef idx="minor">
-            <a:schemeClr val="lt1"/>
-          </a:fontRef>
-        </p:style>
-        <p:txBody>
-          <a:bodyPr rtlCol="0" anchor="ctr"/>
-          <a:lstStyle/>
-          <a:p>
-            <a:pPr algn="ctr"/>
-            <a:r>
-              <a:rPr lang="en-US" sz="1000" dirty="0" smtClean="0"/>
-              <a:t>Display </a:t>
-            </a:r>
-            <a:r>
-              <a:rPr lang="en-US" sz="1000" dirty="0" err="1" smtClean="0"/>
-              <a:t>Linkedin</a:t>
-            </a:r>
-            <a:r>
-              <a:rPr lang="en-US" sz="1000" dirty="0" smtClean="0"/>
-              <a:t> profiles</a:t>
-            </a:r>
-            <a:endParaRPr lang="en-US" sz="1000" dirty="0"/>
-          </a:p>
-        </p:txBody>
-      </p:sp>
-      <p:sp>
-        <p:nvSpPr>
-          <p:cNvPr id="12" name="Rounded Rectangle 11"/>
-          <p:cNvSpPr/>
-          <p:nvPr/>
-        </p:nvSpPr>
-        <p:spPr>
-          <a:xfrm>
-            <a:off x="5241634" y="2643985"/>
-            <a:ext cx="1429966" cy="476655"/>
-          </a:xfrm>
-          <a:prstGeom prst="roundRect">
-            <a:avLst/>
-          </a:prstGeom>
-          <a:solidFill>
-            <a:srgbClr val="0070C0"/>
-          </a:solidFill>
-          <a:ln>
-            <a:noFill/>
-          </a:ln>
-        </p:spPr>
-        <p:style>
-          <a:lnRef idx="2">
-            <a:schemeClr val="accent1">
-              <a:shade val="50000"/>
-            </a:schemeClr>
-          </a:lnRef>
-          <a:fillRef idx="1">
-            <a:schemeClr val="accent1"/>
-          </a:fillRef>
-          <a:effectRef idx="0">
-            <a:schemeClr val="accent1"/>
-          </a:effectRef>
-          <a:fontRef idx="minor">
-            <a:schemeClr val="lt1"/>
-          </a:fontRef>
-        </p:style>
-        <p:txBody>
-          <a:bodyPr rtlCol="0" anchor="ctr"/>
-          <a:lstStyle/>
-          <a:p>
-            <a:pPr algn="ctr"/>
-            <a:r>
-              <a:rPr lang="en-US" sz="1200" dirty="0"/>
-              <a:t>Display </a:t>
-            </a:r>
-            <a:r>
-              <a:rPr lang="en-US" sz="1200" dirty="0" smtClean="0"/>
-              <a:t>Google Maps</a:t>
-            </a:r>
-            <a:endParaRPr lang="en-US" sz="1200" dirty="0"/>
-          </a:p>
-        </p:txBody>
-      </p:sp>
-      <p:sp>
-        <p:nvSpPr>
-          <p:cNvPr id="19" name="TextBox 18"/>
-          <p:cNvSpPr txBox="1"/>
-          <p:nvPr/>
-        </p:nvSpPr>
-        <p:spPr>
-          <a:xfrm>
-            <a:off x="6852734" y="1066753"/>
-            <a:ext cx="508537" cy="307777"/>
-          </a:xfrm>
-          <a:prstGeom prst="rect">
-            <a:avLst/>
-          </a:prstGeom>
-          <a:noFill/>
-        </p:spPr>
-        <p:txBody>
-          <a:bodyPr wrap="none" rtlCol="0">
-            <a:spAutoFit/>
-          </a:bodyPr>
-          <a:lstStyle/>
-          <a:p>
-            <a:r>
-              <a:rPr lang="en-US" sz="1400" dirty="0" smtClean="0"/>
-              <a:t>True</a:t>
-            </a:r>
-            <a:endParaRPr lang="en-US" sz="1400" dirty="0"/>
-          </a:p>
-        </p:txBody>
-      </p:sp>
-      <p:sp>
-        <p:nvSpPr>
-          <p:cNvPr id="20" name="TextBox 19"/>
-          <p:cNvSpPr txBox="1"/>
-          <p:nvPr/>
-        </p:nvSpPr>
-        <p:spPr>
-          <a:xfrm>
-            <a:off x="6121321" y="2244203"/>
-            <a:ext cx="550279" cy="307777"/>
-          </a:xfrm>
-          <a:prstGeom prst="rect">
-            <a:avLst/>
-          </a:prstGeom>
-          <a:noFill/>
-        </p:spPr>
-        <p:txBody>
-          <a:bodyPr wrap="none" rtlCol="0">
-            <a:spAutoFit/>
-          </a:bodyPr>
-          <a:lstStyle/>
-          <a:p>
-            <a:r>
-              <a:rPr lang="en-US" sz="1400" smtClean="0"/>
-              <a:t>False</a:t>
-            </a:r>
-            <a:endParaRPr lang="en-US" sz="1400"/>
-          </a:p>
-        </p:txBody>
-      </p:sp>
-      <p:cxnSp>
-        <p:nvCxnSpPr>
-          <p:cNvPr id="21" name="Straight Arrow Connector 20"/>
-          <p:cNvCxnSpPr/>
-          <p:nvPr/>
-        </p:nvCxnSpPr>
-        <p:spPr>
-          <a:xfrm flipH="1">
-            <a:off x="5956618" y="2152198"/>
-            <a:ext cx="45" cy="491788"/>
-          </a:xfrm>
-          <a:prstGeom prst="straightConnector1">
-            <a:avLst/>
-          </a:prstGeom>
-          <a:ln>
-            <a:tailEnd type="triangle"/>
-          </a:ln>
-        </p:spPr>
-        <p:style>
-          <a:lnRef idx="1">
-            <a:schemeClr val="dk1"/>
-          </a:lnRef>
-          <a:fillRef idx="0">
-            <a:schemeClr val="dk1"/>
-          </a:fillRef>
-          <a:effectRef idx="0">
-            <a:schemeClr val="dk1"/>
-          </a:effectRef>
-          <a:fontRef idx="minor">
-            <a:schemeClr val="tx1"/>
-          </a:fontRef>
-        </p:style>
-      </p:cxnSp>
+          </p:spPr>
+          <p:txBody>
+            <a:bodyPr wrap="none" rtlCol="0">
+              <a:spAutoFit/>
+            </a:bodyPr>
+            <a:lstStyle/>
+            <a:p>
+              <a:r>
+                <a:rPr lang="en-US" sz="1400" smtClean="0"/>
+                <a:t>False</a:t>
+              </a:r>
+              <a:endParaRPr lang="en-US" sz="1400"/>
+            </a:p>
+          </p:txBody>
+        </p:sp>
+        <p:cxnSp>
+          <p:nvCxnSpPr>
+            <p:cNvPr id="21" name="Straight Arrow Connector 20"/>
+            <p:cNvCxnSpPr/>
+            <p:nvPr/>
+          </p:nvCxnSpPr>
+          <p:spPr>
+            <a:xfrm flipH="1">
+              <a:off x="5956618" y="2152198"/>
+              <a:ext cx="45" cy="491788"/>
+            </a:xfrm>
+            <a:prstGeom prst="straightConnector1">
+              <a:avLst/>
+            </a:prstGeom>
+            <a:ln>
+              <a:tailEnd type="triangle"/>
+            </a:ln>
+          </p:spPr>
+          <p:style>
+            <a:lnRef idx="1">
+              <a:schemeClr val="dk1"/>
+            </a:lnRef>
+            <a:fillRef idx="0">
+              <a:schemeClr val="dk1"/>
+            </a:fillRef>
+            <a:effectRef idx="0">
+              <a:schemeClr val="dk1"/>
+            </a:effectRef>
+            <a:fontRef idx="minor">
+              <a:schemeClr val="tx1"/>
+            </a:fontRef>
+          </p:style>
+        </p:cxnSp>
+      </p:grpSp>
     </p:spTree>
     <p:extLst>
       <p:ext uri="{BB962C8B-B14F-4D97-AF65-F5344CB8AC3E}">
@@ -5344,54 +5349,6 @@
           <a:chExt cx="0" cy="0"/>
         </a:xfrm>
       </p:grpSpPr>
-      <p:sp>
-        <p:nvSpPr>
-          <p:cNvPr id="4" name="Rounded Rectangle 3"/>
-          <p:cNvSpPr/>
-          <p:nvPr/>
-        </p:nvSpPr>
-        <p:spPr>
-          <a:xfrm>
-            <a:off x="4649820" y="359924"/>
-            <a:ext cx="5068111" cy="1884279"/>
-          </a:xfrm>
-          <a:prstGeom prst="roundRect">
-            <a:avLst/>
-          </a:prstGeom>
-          <a:solidFill>
-            <a:srgbClr val="0070C0">
-              <a:alpha val="53000"/>
-            </a:srgbClr>
-          </a:solidFill>
-          <a:ln>
-            <a:noFill/>
-          </a:ln>
-        </p:spPr>
-        <p:style>
-          <a:lnRef idx="2">
-            <a:schemeClr val="accent1">
-              <a:shade val="50000"/>
-            </a:schemeClr>
-          </a:lnRef>
-          <a:fillRef idx="1">
-            <a:schemeClr val="accent1"/>
-          </a:fillRef>
-          <a:effectRef idx="0">
-            <a:schemeClr val="accent1"/>
-          </a:effectRef>
-          <a:fontRef idx="minor">
-            <a:schemeClr val="lt1"/>
-          </a:fontRef>
-        </p:style>
-        <p:txBody>
-          <a:bodyPr rtlCol="0" anchor="ctr"/>
-          <a:lstStyle/>
-          <a:p>
-            <a:pPr algn="ctr"/>
-            <a:endParaRPr lang="en-US"/>
-          </a:p>
-        </p:txBody>
-      </p:sp>
       <p:grpSp>
         <p:nvGrpSpPr>
           <p:cNvPr id="5" name="Group 4"/>
@@ -5400,8 +5357,8 @@
         </p:nvGrpSpPr>
         <p:grpSpPr>
           <a:xfrm>
-            <a:off x="5175512" y="589987"/>
-            <a:ext cx="3890667" cy="4802984"/>
+            <a:off x="3563670" y="65216"/>
+            <a:ext cx="5502509" cy="6792784"/>
             <a:chOff x="5175512" y="589987"/>
             <a:chExt cx="3890667" cy="4802984"/>
           </a:xfrm>
@@ -5449,29 +5406,23 @@
             <a:p>
               <a:pPr algn="ctr"/>
               <a:r>
-                <a:rPr lang="en-US" sz="1400" dirty="0"/>
-                <a:t>p</a:t>
-              </a:r>
-              <a:r>
                 <a:rPr lang="en-US" sz="1400" dirty="0" smtClean="0"/>
-                <a:t>age </a:t>
+                <a:t>Asana configured </a:t>
               </a:r>
             </a:p>
             <a:p>
               <a:pPr algn="ctr"/>
               <a:r>
                 <a:rPr lang="en-US" sz="1400" dirty="0" smtClean="0"/>
-                <a:t>== </a:t>
-              </a:r>
-              <a:r>
-                <a:rPr lang="en-US" sz="1400" dirty="0" err="1"/>
-                <a:t>l</a:t>
-              </a:r>
-              <a:r>
-                <a:rPr lang="en-US" sz="1400" dirty="0" err="1" smtClean="0"/>
-                <a:t>inkedin</a:t>
-              </a:r>
-              <a:endParaRPr lang="en-US" sz="1400" dirty="0"/>
+                <a:t>&amp;&amp;</a:t>
+              </a:r>
+            </a:p>
+            <a:p>
+              <a:pPr algn="ctr"/>
+              <a:r>
+                <a:rPr lang="en-US" sz="1400" dirty="0" smtClean="0"/>
+                <a:t>Internet is connected</a:t>
+              </a:r>
             </a:p>
           </p:txBody>
         </p:sp>
@@ -5589,15 +5540,7 @@
               <a:pPr algn="ctr"/>
               <a:r>
                 <a:rPr lang="en-US" sz="1000" dirty="0" smtClean="0"/>
-                <a:t>Display </a:t>
-              </a:r>
-              <a:r>
-                <a:rPr lang="en-US" sz="1000" dirty="0" err="1" smtClean="0"/>
-                <a:t>Linkedin</a:t>
-              </a:r>
-              <a:r>
-                <a:rPr lang="en-US" sz="1000" dirty="0" smtClean="0"/>
-                <a:t> profiles</a:t>
+                <a:t>Add meeting locally &amp; on Asana</a:t>
               </a:r>
               <a:endParaRPr lang="en-US" sz="1000" dirty="0"/>
             </a:p>
